--- a/Clase 1/Clase 1.pptx
+++ b/Clase 1/Clase 1.pptx
@@ -5,7 +5,7 @@
     <p:sldMasterId id="2147483660" r:id="rId1"/>
   </p:sldMasterIdLst>
   <p:notesMasterIdLst>
-    <p:notesMasterId r:id="rId39"/>
+    <p:notesMasterId r:id="rId40"/>
   </p:notesMasterIdLst>
   <p:sldIdLst>
     <p:sldId id="256" r:id="rId2"/>
@@ -45,6 +45,7 @@
     <p:sldId id="280" r:id="rId36"/>
     <p:sldId id="281" r:id="rId37"/>
     <p:sldId id="297" r:id="rId38"/>
+    <p:sldId id="299" r:id="rId39"/>
   </p:sldIdLst>
   <p:sldSz cx="9144000" cy="5143500" type="screen16x9"/>
   <p:notesSz cx="6858000" cy="9144000"/>
@@ -10343,6 +10344,13 @@
   <p:clrMapOvr>
     <a:masterClrMapping/>
   </p:clrMapOvr>
+  <p:timing>
+    <p:tnLst>
+      <p:par>
+        <p:cTn id="1" dur="indefinite" restart="never" nodeType="tmRoot"/>
+      </p:par>
+    </p:tnLst>
+  </p:timing>
 </p:sld>
 </file>
 
@@ -16616,6 +16624,13 @@
   <p:clrMapOvr>
     <a:masterClrMapping/>
   </p:clrMapOvr>
+  <p:timing>
+    <p:tnLst>
+      <p:par>
+        <p:cTn id="1" dur="indefinite" restart="never" nodeType="tmRoot"/>
+      </p:par>
+    </p:tnLst>
+  </p:timing>
 </p:sld>
 </file>
 
@@ -20391,6 +20406,77 @@
 </p:sld>
 </file>
 
+<file path=ppt/slides/slide38.xml><?xml version="1.0" encoding="utf-8"?>
+<p:sld xmlns:a="http://schemas.openxmlformats.org/drawingml/2006/main" xmlns:r="http://schemas.openxmlformats.org/officeDocument/2006/relationships" xmlns:p="http://schemas.openxmlformats.org/presentationml/2006/main">
+  <p:cSld>
+    <p:spTree>
+      <p:nvGrpSpPr>
+        <p:cNvPr id="1" name=""/>
+        <p:cNvGrpSpPr/>
+        <p:nvPr/>
+      </p:nvGrpSpPr>
+      <p:grpSpPr>
+        <a:xfrm>
+          <a:off x="0" y="0"/>
+          <a:ext cx="0" cy="0"/>
+          <a:chOff x="0" y="0"/>
+          <a:chExt cx="0" cy="0"/>
+        </a:xfrm>
+      </p:grpSpPr>
+      <p:sp>
+        <p:nvSpPr>
+          <p:cNvPr id="2" name="Título 1"/>
+          <p:cNvSpPr>
+            <a:spLocks noGrp="1"/>
+          </p:cNvSpPr>
+          <p:nvPr>
+            <p:ph type="title"/>
+          </p:nvPr>
+        </p:nvSpPr>
+        <p:spPr/>
+        <p:txBody>
+          <a:bodyPr/>
+          <a:lstStyle/>
+          <a:p>
+            <a:endParaRPr lang="es-CO"/>
+          </a:p>
+        </p:txBody>
+      </p:sp>
+      <p:sp>
+        <p:nvSpPr>
+          <p:cNvPr id="3" name="Marcador de contenido 2"/>
+          <p:cNvSpPr>
+            <a:spLocks noGrp="1"/>
+          </p:cNvSpPr>
+          <p:nvPr>
+            <p:ph idx="1"/>
+          </p:nvPr>
+        </p:nvSpPr>
+        <p:spPr/>
+        <p:txBody>
+          <a:bodyPr/>
+          <a:lstStyle/>
+          <a:p>
+            <a:r>
+              <a:rPr lang="es-CO" dirty="0"/>
+              <a:t>https://github.com/Domiciano/AppMoviles191</a:t>
+            </a:r>
+          </a:p>
+        </p:txBody>
+      </p:sp>
+    </p:spTree>
+    <p:extLst>
+      <p:ext uri="{BB962C8B-B14F-4D97-AF65-F5344CB8AC3E}">
+        <p14:creationId xmlns:p14="http://schemas.microsoft.com/office/powerpoint/2010/main" val="771918813"/>
+      </p:ext>
+    </p:extLst>
+  </p:cSld>
+  <p:clrMapOvr>
+    <a:masterClrMapping/>
+  </p:clrMapOvr>
+</p:sld>
+</file>
+
 <file path=ppt/slides/slide4.xml><?xml version="1.0" encoding="utf-8"?>
 <p:sld xmlns:a="http://schemas.openxmlformats.org/drawingml/2006/main" xmlns:r="http://schemas.openxmlformats.org/officeDocument/2006/relationships" xmlns:p="http://schemas.openxmlformats.org/presentationml/2006/main">
   <p:cSld>
@@ -20737,6 +20823,13 @@
   <p:clrMapOvr>
     <a:masterClrMapping/>
   </p:clrMapOvr>
+  <p:timing>
+    <p:tnLst>
+      <p:par>
+        <p:cTn id="1" dur="indefinite" restart="never" nodeType="tmRoot"/>
+      </p:par>
+    </p:tnLst>
+  </p:timing>
 </p:sld>
 </file>
 
@@ -21074,6 +21167,13 @@
   <p:clrMapOvr>
     <a:masterClrMapping/>
   </p:clrMapOvr>
+  <p:timing>
+    <p:tnLst>
+      <p:par>
+        <p:cTn id="1" dur="indefinite" restart="never" nodeType="tmRoot"/>
+      </p:par>
+    </p:tnLst>
+  </p:timing>
 </p:sld>
 </file>
 
@@ -21411,6 +21511,13 @@
   <p:clrMapOvr>
     <a:masterClrMapping/>
   </p:clrMapOvr>
+  <p:timing>
+    <p:tnLst>
+      <p:par>
+        <p:cTn id="1" dur="indefinite" restart="never" nodeType="tmRoot"/>
+      </p:par>
+    </p:tnLst>
+  </p:timing>
 </p:sld>
 </file>
 
@@ -21687,6 +21794,13 @@
   <p:clrMapOvr>
     <a:masterClrMapping/>
   </p:clrMapOvr>
+  <p:timing>
+    <p:tnLst>
+      <p:par>
+        <p:cTn id="1" dur="indefinite" restart="never" nodeType="tmRoot"/>
+      </p:par>
+    </p:tnLst>
+  </p:timing>
 </p:sld>
 </file>
 

--- a/Clase 1/Clase 1.pptx
+++ b/Clase 1/Clase 1.pptx
@@ -2329,7 +2329,7 @@
           <a:p>
             <a:fld id="{7F8E3347-EFDA-483A-9E95-BDA4F3B6010F}" type="datetimeFigureOut">
               <a:rPr lang="en-US" smtClean="0"/>
-              <a:t>1/24/2019</a:t>
+              <a:t>1/31/2019</a:t>
             </a:fld>
             <a:endParaRPr lang="en-US"/>
           </a:p>
@@ -2555,7 +2555,7 @@
           <a:p>
             <a:fld id="{7F8E3347-EFDA-483A-9E95-BDA4F3B6010F}" type="datetimeFigureOut">
               <a:rPr lang="en-US" smtClean="0"/>
-              <a:t>1/24/2019</a:t>
+              <a:t>1/31/2019</a:t>
             </a:fld>
             <a:endParaRPr lang="en-US"/>
           </a:p>
@@ -2829,7 +2829,7 @@
           <a:p>
             <a:fld id="{7F8E3347-EFDA-483A-9E95-BDA4F3B6010F}" type="datetimeFigureOut">
               <a:rPr lang="en-US" smtClean="0"/>
-              <a:t>1/24/2019</a:t>
+              <a:t>1/31/2019</a:t>
             </a:fld>
             <a:endParaRPr lang="en-US"/>
           </a:p>
@@ -3343,7 +3343,7 @@
           <a:p>
             <a:fld id="{7F8E3347-EFDA-483A-9E95-BDA4F3B6010F}" type="datetimeFigureOut">
               <a:rPr lang="en-US" smtClean="0"/>
-              <a:t>1/24/2019</a:t>
+              <a:t>1/31/2019</a:t>
             </a:fld>
             <a:endParaRPr lang="en-US"/>
           </a:p>
@@ -3704,7 +3704,7 @@
           <a:p>
             <a:fld id="{7F8E3347-EFDA-483A-9E95-BDA4F3B6010F}" type="datetimeFigureOut">
               <a:rPr lang="en-US" smtClean="0"/>
-              <a:t>1/24/2019</a:t>
+              <a:t>1/31/2019</a:t>
             </a:fld>
             <a:endParaRPr lang="en-US"/>
           </a:p>
@@ -3997,7 +3997,7 @@
           <a:p>
             <a:fld id="{7F8E3347-EFDA-483A-9E95-BDA4F3B6010F}" type="datetimeFigureOut">
               <a:rPr lang="en-US" smtClean="0"/>
-              <a:t>1/24/2019</a:t>
+              <a:t>1/31/2019</a:t>
             </a:fld>
             <a:endParaRPr lang="en-US"/>
           </a:p>
@@ -4394,7 +4394,7 @@
           <a:p>
             <a:fld id="{7F8E3347-EFDA-483A-9E95-BDA4F3B6010F}" type="datetimeFigureOut">
               <a:rPr lang="en-US" smtClean="0"/>
-              <a:t>1/24/2019</a:t>
+              <a:t>1/31/2019</a:t>
             </a:fld>
             <a:endParaRPr lang="en-US"/>
           </a:p>
@@ -4530,7 +4530,7 @@
           <a:p>
             <a:fld id="{7F8E3347-EFDA-483A-9E95-BDA4F3B6010F}" type="datetimeFigureOut">
               <a:rPr lang="en-US" smtClean="0"/>
-              <a:t>1/24/2019</a:t>
+              <a:t>1/31/2019</a:t>
             </a:fld>
             <a:endParaRPr lang="en-US"/>
           </a:p>
@@ -4719,7 +4719,7 @@
           <a:p>
             <a:fld id="{7F8E3347-EFDA-483A-9E95-BDA4F3B6010F}" type="datetimeFigureOut">
               <a:rPr lang="en-US" smtClean="0"/>
-              <a:t>1/24/2019</a:t>
+              <a:t>1/31/2019</a:t>
             </a:fld>
             <a:endParaRPr lang="en-US"/>
           </a:p>
@@ -5082,7 +5082,7 @@
           <a:p>
             <a:fld id="{7F8E3347-EFDA-483A-9E95-BDA4F3B6010F}" type="datetimeFigureOut">
               <a:rPr lang="en-US" smtClean="0"/>
-              <a:t>1/24/2019</a:t>
+              <a:t>1/31/2019</a:t>
             </a:fld>
             <a:endParaRPr lang="en-US"/>
           </a:p>
@@ -5477,7 +5477,7 @@
           <a:p>
             <a:fld id="{7F8E3347-EFDA-483A-9E95-BDA4F3B6010F}" type="datetimeFigureOut">
               <a:rPr lang="en-US" smtClean="0"/>
-              <a:t>1/24/2019</a:t>
+              <a:t>1/31/2019</a:t>
             </a:fld>
             <a:endParaRPr lang="en-US"/>
           </a:p>
@@ -5782,7 +5782,7 @@
           <a:p>
             <a:fld id="{7F8E3347-EFDA-483A-9E95-BDA4F3B6010F}" type="datetimeFigureOut">
               <a:rPr lang="en-US" smtClean="0"/>
-              <a:t>1/24/2019</a:t>
+              <a:t>1/31/2019</a:t>
             </a:fld>
             <a:endParaRPr lang="en-US"/>
           </a:p>
@@ -16681,62 +16681,14 @@
       </p:sp>
       <p:sp>
         <p:nvSpPr>
-          <p:cNvPr id="5" name="Rounded Rectangle 4"/>
-          <p:cNvSpPr/>
-          <p:nvPr/>
-        </p:nvSpPr>
-        <p:spPr>
-          <a:xfrm>
-            <a:off x="1628613" y="1419622"/>
-            <a:ext cx="1872208" cy="2952328"/>
-          </a:xfrm>
-          <a:prstGeom prst="roundRect">
-            <a:avLst/>
-          </a:prstGeom>
-          <a:solidFill>
-            <a:schemeClr val="tx1"/>
-          </a:solidFill>
-          <a:ln>
-            <a:solidFill>
-              <a:schemeClr val="tx1"/>
-            </a:solidFill>
-          </a:ln>
-        </p:spPr>
-        <p:style>
-          <a:lnRef idx="2">
-            <a:schemeClr val="accent1">
-              <a:shade val="50000"/>
-            </a:schemeClr>
-          </a:lnRef>
-          <a:fillRef idx="1">
-            <a:schemeClr val="accent1"/>
-          </a:fillRef>
-          <a:effectRef idx="0">
-            <a:schemeClr val="accent1"/>
-          </a:effectRef>
-          <a:fontRef idx="minor">
-            <a:schemeClr val="lt1"/>
-          </a:fontRef>
-        </p:style>
-        <p:txBody>
-          <a:bodyPr rtlCol="0" anchor="ctr"/>
-          <a:lstStyle/>
-          <a:p>
-            <a:pPr algn="ctr"/>
-            <a:endParaRPr lang="en-US"/>
-          </a:p>
-        </p:txBody>
-      </p:sp>
-      <p:sp>
-        <p:nvSpPr>
           <p:cNvPr id="4" name="26 Rectángulo"/>
           <p:cNvSpPr/>
           <p:nvPr/>
         </p:nvSpPr>
         <p:spPr>
           <a:xfrm>
-            <a:off x="1732154" y="1646942"/>
-            <a:ext cx="1665125" cy="2497688"/>
+            <a:off x="1732155" y="1646942"/>
+            <a:ext cx="1424094" cy="2497688"/>
           </a:xfrm>
           <a:prstGeom prst="rect">
             <a:avLst/>
@@ -16807,62 +16759,14 @@
       </p:sp>
       <p:sp>
         <p:nvSpPr>
-          <p:cNvPr id="7" name="Rounded Rectangle 6"/>
-          <p:cNvSpPr/>
-          <p:nvPr/>
-        </p:nvSpPr>
-        <p:spPr>
-          <a:xfrm>
-            <a:off x="5044523" y="1419622"/>
-            <a:ext cx="1872208" cy="2952328"/>
-          </a:xfrm>
-          <a:prstGeom prst="roundRect">
-            <a:avLst/>
-          </a:prstGeom>
-          <a:solidFill>
-            <a:schemeClr val="tx1"/>
-          </a:solidFill>
-          <a:ln>
-            <a:solidFill>
-              <a:schemeClr val="tx1"/>
-            </a:solidFill>
-          </a:ln>
-        </p:spPr>
-        <p:style>
-          <a:lnRef idx="2">
-            <a:schemeClr val="accent1">
-              <a:shade val="50000"/>
-            </a:schemeClr>
-          </a:lnRef>
-          <a:fillRef idx="1">
-            <a:schemeClr val="accent1"/>
-          </a:fillRef>
-          <a:effectRef idx="0">
-            <a:schemeClr val="accent1"/>
-          </a:effectRef>
-          <a:fontRef idx="minor">
-            <a:schemeClr val="lt1"/>
-          </a:fontRef>
-        </p:style>
-        <p:txBody>
-          <a:bodyPr rtlCol="0" anchor="ctr"/>
-          <a:lstStyle/>
-          <a:p>
-            <a:pPr algn="ctr"/>
-            <a:endParaRPr lang="en-US"/>
-          </a:p>
-        </p:txBody>
-      </p:sp>
-      <p:sp>
-        <p:nvSpPr>
           <p:cNvPr id="8" name="26 Rectángulo"/>
           <p:cNvSpPr/>
           <p:nvPr/>
         </p:nvSpPr>
         <p:spPr>
           <a:xfrm>
-            <a:off x="5148064" y="1646942"/>
-            <a:ext cx="1665125" cy="2497688"/>
+            <a:off x="5220072" y="1646942"/>
+            <a:ext cx="1368152" cy="2497688"/>
           </a:xfrm>
           <a:prstGeom prst="rect">
             <a:avLst/>
@@ -16939,7 +16843,7 @@
         </p:nvSpPr>
         <p:spPr>
           <a:xfrm>
-            <a:off x="1979712" y="1779662"/>
+            <a:off x="1835696" y="1779662"/>
             <a:ext cx="1152128" cy="360040"/>
           </a:xfrm>
           <a:prstGeom prst="rect">
@@ -16979,7 +16883,7 @@
         </p:nvSpPr>
         <p:spPr>
           <a:xfrm>
-            <a:off x="2004120" y="2274332"/>
+            <a:off x="1860104" y="2274332"/>
             <a:ext cx="1152128" cy="360040"/>
           </a:xfrm>
           <a:prstGeom prst="rect">
@@ -17019,7 +16923,7 @@
         </p:nvSpPr>
         <p:spPr>
           <a:xfrm>
-            <a:off x="2007175" y="2750973"/>
+            <a:off x="1863159" y="2750973"/>
             <a:ext cx="1152128" cy="360040"/>
           </a:xfrm>
           <a:prstGeom prst="rect">
@@ -17059,7 +16963,7 @@
         </p:nvSpPr>
         <p:spPr>
           <a:xfrm>
-            <a:off x="2004120" y="3243484"/>
+            <a:off x="1860104" y="3243484"/>
             <a:ext cx="1152128" cy="360040"/>
           </a:xfrm>
           <a:prstGeom prst="rect">
@@ -17099,7 +17003,7 @@
         </p:nvSpPr>
         <p:spPr>
           <a:xfrm>
-            <a:off x="2004120" y="3735995"/>
+            <a:off x="1860104" y="3735995"/>
             <a:ext cx="1152128" cy="360040"/>
           </a:xfrm>
           <a:prstGeom prst="rect">
@@ -17139,8 +17043,8 @@
         </p:nvSpPr>
         <p:spPr>
           <a:xfrm rot="5400000">
-            <a:off x="4172805" y="2694765"/>
-            <a:ext cx="2352377" cy="360040"/>
+            <a:off x="4198354" y="2720315"/>
+            <a:ext cx="2352377" cy="308942"/>
           </a:xfrm>
           <a:prstGeom prst="rect">
             <a:avLst/>
@@ -17259,8 +17163,8 @@
         </p:nvSpPr>
         <p:spPr>
           <a:xfrm rot="5400000">
-            <a:off x="5405533" y="2694766"/>
-            <a:ext cx="2352377" cy="360040"/>
+            <a:off x="5318775" y="2781525"/>
+            <a:ext cx="2352377" cy="186523"/>
           </a:xfrm>
           <a:prstGeom prst="rect">
             <a:avLst/>
@@ -17319,6 +17223,94 @@
           <a:prstGeom prst="rect">
             <a:avLst/>
           </a:prstGeom>
+        </p:spPr>
+      </p:pic>
+      <p:pic>
+        <p:nvPicPr>
+          <p:cNvPr id="22" name="Picture 6" descr="D:\Usuarios\1143848922\Downloads\kisspng-feature-phone-smartphone-mobile-phone-accessories-black-border-mobile-phone-5a71a4107c60b5.3323878415173970085095.png"/>
+          <p:cNvPicPr>
+            <a:picLocks noChangeAspect="1" noChangeArrowheads="1"/>
+          </p:cNvPicPr>
+          <p:nvPr/>
+        </p:nvPicPr>
+        <p:blipFill>
+          <a:blip r:embed="rId3">
+            <a:extLst>
+              <a:ext uri="{28A0092B-C50C-407E-A947-70E740481C1C}">
+                <a14:useLocalDpi xmlns:a14="http://schemas.microsoft.com/office/drawing/2010/main" val="0"/>
+              </a:ext>
+            </a:extLst>
+          </a:blip>
+          <a:srcRect/>
+          <a:stretch>
+            <a:fillRect/>
+          </a:stretch>
+        </p:blipFill>
+        <p:spPr bwMode="auto">
+          <a:xfrm>
+            <a:off x="1486250" y="1306115"/>
+            <a:ext cx="1875426" cy="3065835"/>
+          </a:xfrm>
+          <a:prstGeom prst="rect">
+            <a:avLst/>
+          </a:prstGeom>
+          <a:noFill/>
+          <a:ln>
+            <a:noFill/>
+          </a:ln>
+          <a:extLst>
+            <a:ext uri="{909E8E84-426E-40DD-AFC4-6F175D3DCCD1}">
+              <a14:hiddenFill xmlns:a14="http://schemas.microsoft.com/office/drawing/2010/main">
+                <a:solidFill>
+                  <a:srgbClr val="FFFFFF"/>
+                </a:solidFill>
+              </a14:hiddenFill>
+            </a:ext>
+          </a:extLst>
+        </p:spPr>
+      </p:pic>
+      <p:pic>
+        <p:nvPicPr>
+          <p:cNvPr id="26" name="Picture 6" descr="D:\Usuarios\1143848922\Downloads\kisspng-feature-phone-smartphone-mobile-phone-accessories-black-border-mobile-phone-5a71a4107c60b5.3323878415173970085095.png"/>
+          <p:cNvPicPr>
+            <a:picLocks noChangeAspect="1" noChangeArrowheads="1"/>
+          </p:cNvPicPr>
+          <p:nvPr/>
+        </p:nvPicPr>
+        <p:blipFill>
+          <a:blip r:embed="rId3">
+            <a:extLst>
+              <a:ext uri="{28A0092B-C50C-407E-A947-70E740481C1C}">
+                <a14:useLocalDpi xmlns:a14="http://schemas.microsoft.com/office/drawing/2010/main" val="0"/>
+              </a:ext>
+            </a:extLst>
+          </a:blip>
+          <a:srcRect/>
+          <a:stretch>
+            <a:fillRect/>
+          </a:stretch>
+        </p:blipFill>
+        <p:spPr bwMode="auto">
+          <a:xfrm>
+            <a:off x="4932040" y="1332036"/>
+            <a:ext cx="1875426" cy="3065835"/>
+          </a:xfrm>
+          <a:prstGeom prst="rect">
+            <a:avLst/>
+          </a:prstGeom>
+          <a:noFill/>
+          <a:ln>
+            <a:noFill/>
+          </a:ln>
+          <a:extLst>
+            <a:ext uri="{909E8E84-426E-40DD-AFC4-6F175D3DCCD1}">
+              <a14:hiddenFill xmlns:a14="http://schemas.microsoft.com/office/drawing/2010/main">
+                <a:solidFill>
+                  <a:srgbClr val="FFFFFF"/>
+                </a:solidFill>
+              </a14:hiddenFill>
+            </a:ext>
+          </a:extLst>
         </p:spPr>
       </p:pic>
     </p:spTree>
@@ -17383,62 +17375,14 @@
       </p:sp>
       <p:sp>
         <p:nvSpPr>
-          <p:cNvPr id="5" name="Rounded Rectangle 4"/>
-          <p:cNvSpPr/>
-          <p:nvPr/>
-        </p:nvSpPr>
-        <p:spPr>
-          <a:xfrm>
-            <a:off x="3563888" y="1419622"/>
-            <a:ext cx="1872208" cy="2952328"/>
-          </a:xfrm>
-          <a:prstGeom prst="roundRect">
-            <a:avLst/>
-          </a:prstGeom>
-          <a:solidFill>
-            <a:schemeClr val="tx1"/>
-          </a:solidFill>
-          <a:ln>
-            <a:solidFill>
-              <a:schemeClr val="tx1"/>
-            </a:solidFill>
-          </a:ln>
-        </p:spPr>
-        <p:style>
-          <a:lnRef idx="2">
-            <a:schemeClr val="accent1">
-              <a:shade val="50000"/>
-            </a:schemeClr>
-          </a:lnRef>
-          <a:fillRef idx="1">
-            <a:schemeClr val="accent1"/>
-          </a:fillRef>
-          <a:effectRef idx="0">
-            <a:schemeClr val="accent1"/>
-          </a:effectRef>
-          <a:fontRef idx="minor">
-            <a:schemeClr val="lt1"/>
-          </a:fontRef>
-        </p:style>
-        <p:txBody>
-          <a:bodyPr rtlCol="0" anchor="ctr"/>
-          <a:lstStyle/>
-          <a:p>
-            <a:pPr algn="ctr"/>
-            <a:endParaRPr lang="en-US"/>
-          </a:p>
-        </p:txBody>
-      </p:sp>
-      <p:sp>
-        <p:nvSpPr>
           <p:cNvPr id="4" name="26 Rectángulo"/>
           <p:cNvSpPr/>
           <p:nvPr/>
         </p:nvSpPr>
         <p:spPr>
           <a:xfrm>
-            <a:off x="3667429" y="1646942"/>
-            <a:ext cx="1665125" cy="2497688"/>
+            <a:off x="3667430" y="1646942"/>
+            <a:ext cx="1442162" cy="2497688"/>
           </a:xfrm>
           <a:prstGeom prst="rect">
             <a:avLst/>
@@ -17679,54 +17623,14 @@
       </p:sp>
       <p:sp>
         <p:nvSpPr>
-          <p:cNvPr id="24" name="Rectangle 9"/>
-          <p:cNvSpPr/>
-          <p:nvPr/>
-        </p:nvSpPr>
-        <p:spPr>
-          <a:xfrm>
-            <a:off x="4462780" y="2438286"/>
-            <a:ext cx="799211" cy="751448"/>
-          </a:xfrm>
-          <a:prstGeom prst="rect">
-            <a:avLst/>
-          </a:prstGeom>
-        </p:spPr>
-        <p:style>
-          <a:lnRef idx="2">
-            <a:schemeClr val="accent1">
-              <a:shade val="50000"/>
-            </a:schemeClr>
-          </a:lnRef>
-          <a:fillRef idx="1">
-            <a:schemeClr val="accent1"/>
-          </a:fillRef>
-          <a:effectRef idx="0">
-            <a:schemeClr val="accent1"/>
-          </a:effectRef>
-          <a:fontRef idx="minor">
-            <a:schemeClr val="lt1"/>
-          </a:fontRef>
-        </p:style>
-        <p:txBody>
-          <a:bodyPr rtlCol="0" anchor="ctr"/>
-          <a:lstStyle/>
-          <a:p>
-            <a:pPr algn="ctr"/>
-            <a:endParaRPr lang="en-US"/>
-          </a:p>
-        </p:txBody>
-      </p:sp>
-      <p:sp>
-        <p:nvSpPr>
           <p:cNvPr id="25" name="Rectangle 9"/>
           <p:cNvSpPr/>
           <p:nvPr/>
         </p:nvSpPr>
         <p:spPr>
           <a:xfrm>
-            <a:off x="3758374" y="3452185"/>
-            <a:ext cx="1503617" cy="559725"/>
+            <a:off x="3712902" y="3435846"/>
+            <a:ext cx="1351217" cy="559725"/>
           </a:xfrm>
           <a:prstGeom prst="rect">
             <a:avLst/>
@@ -17785,6 +17689,50 @@
           <a:prstGeom prst="rect">
             <a:avLst/>
           </a:prstGeom>
+        </p:spPr>
+      </p:pic>
+      <p:pic>
+        <p:nvPicPr>
+          <p:cNvPr id="15" name="Picture 6" descr="D:\Usuarios\1143848922\Downloads\kisspng-feature-phone-smartphone-mobile-phone-accessories-black-border-mobile-phone-5a71a4107c60b5.3323878415173970085095.png"/>
+          <p:cNvPicPr>
+            <a:picLocks noChangeAspect="1" noChangeArrowheads="1"/>
+          </p:cNvPicPr>
+          <p:nvPr/>
+        </p:nvPicPr>
+        <p:blipFill>
+          <a:blip r:embed="rId3">
+            <a:extLst>
+              <a:ext uri="{28A0092B-C50C-407E-A947-70E740481C1C}">
+                <a14:useLocalDpi xmlns:a14="http://schemas.microsoft.com/office/drawing/2010/main" val="0"/>
+              </a:ext>
+            </a:extLst>
+          </a:blip>
+          <a:srcRect/>
+          <a:stretch>
+            <a:fillRect/>
+          </a:stretch>
+        </p:blipFill>
+        <p:spPr bwMode="auto">
+          <a:xfrm>
+            <a:off x="3427958" y="1303021"/>
+            <a:ext cx="1875426" cy="3065835"/>
+          </a:xfrm>
+          <a:prstGeom prst="rect">
+            <a:avLst/>
+          </a:prstGeom>
+          <a:noFill/>
+          <a:ln>
+            <a:noFill/>
+          </a:ln>
+          <a:extLst>
+            <a:ext uri="{909E8E84-426E-40DD-AFC4-6F175D3DCCD1}">
+              <a14:hiddenFill xmlns:a14="http://schemas.microsoft.com/office/drawing/2010/main">
+                <a:solidFill>
+                  <a:srgbClr val="FFFFFF"/>
+                </a:solidFill>
+              </a14:hiddenFill>
+            </a:ext>
+          </a:extLst>
         </p:spPr>
       </p:pic>
     </p:spTree>
@@ -17992,62 +17940,14 @@
       </p:sp>
       <p:sp>
         <p:nvSpPr>
-          <p:cNvPr id="5" name="Rounded Rectangle 4"/>
-          <p:cNvSpPr/>
-          <p:nvPr/>
-        </p:nvSpPr>
-        <p:spPr>
-          <a:xfrm>
-            <a:off x="1043608" y="1408326"/>
-            <a:ext cx="1872208" cy="2952328"/>
-          </a:xfrm>
-          <a:prstGeom prst="roundRect">
-            <a:avLst/>
-          </a:prstGeom>
-          <a:solidFill>
-            <a:schemeClr val="tx1"/>
-          </a:solidFill>
-          <a:ln>
-            <a:solidFill>
-              <a:schemeClr val="tx1"/>
-            </a:solidFill>
-          </a:ln>
-        </p:spPr>
-        <p:style>
-          <a:lnRef idx="2">
-            <a:schemeClr val="accent1">
-              <a:shade val="50000"/>
-            </a:schemeClr>
-          </a:lnRef>
-          <a:fillRef idx="1">
-            <a:schemeClr val="accent1"/>
-          </a:fillRef>
-          <a:effectRef idx="0">
-            <a:schemeClr val="accent1"/>
-          </a:effectRef>
-          <a:fontRef idx="minor">
-            <a:schemeClr val="lt1"/>
-          </a:fontRef>
-        </p:style>
-        <p:txBody>
-          <a:bodyPr rtlCol="0" anchor="ctr"/>
-          <a:lstStyle/>
-          <a:p>
-            <a:pPr algn="ctr"/>
-            <a:endParaRPr lang="en-US"/>
-          </a:p>
-        </p:txBody>
-      </p:sp>
-      <p:sp>
-        <p:nvSpPr>
           <p:cNvPr id="4" name="26 Rectángulo"/>
           <p:cNvSpPr/>
           <p:nvPr/>
         </p:nvSpPr>
         <p:spPr>
           <a:xfrm>
-            <a:off x="1147149" y="1635646"/>
-            <a:ext cx="1665125" cy="2497688"/>
+            <a:off x="1147150" y="1635646"/>
+            <a:ext cx="1408626" cy="2497688"/>
           </a:xfrm>
           <a:prstGeom prst="rect">
             <a:avLst/>
@@ -18094,7 +17994,7 @@
         </p:nvSpPr>
         <p:spPr>
           <a:xfrm>
-            <a:off x="1403647" y="2643758"/>
+            <a:off x="1275399" y="2403026"/>
             <a:ext cx="1152128" cy="481464"/>
           </a:xfrm>
           <a:prstGeom prst="rect">
@@ -18343,6 +18243,50 @@
           <a:prstGeom prst="rect">
             <a:avLst/>
           </a:prstGeom>
+        </p:spPr>
+      </p:pic>
+      <p:pic>
+        <p:nvPicPr>
+          <p:cNvPr id="9" name="Picture 6" descr="D:\Usuarios\1143848922\Downloads\kisspng-feature-phone-smartphone-mobile-phone-accessories-black-border-mobile-phone-5a71a4107c60b5.3323878415173970085095.png"/>
+          <p:cNvPicPr>
+            <a:picLocks noChangeAspect="1" noChangeArrowheads="1"/>
+          </p:cNvPicPr>
+          <p:nvPr/>
+        </p:nvPicPr>
+        <p:blipFill>
+          <a:blip r:embed="rId3">
+            <a:extLst>
+              <a:ext uri="{28A0092B-C50C-407E-A947-70E740481C1C}">
+                <a14:useLocalDpi xmlns:a14="http://schemas.microsoft.com/office/drawing/2010/main" val="0"/>
+              </a:ext>
+            </a:extLst>
+          </a:blip>
+          <a:srcRect/>
+          <a:stretch>
+            <a:fillRect/>
+          </a:stretch>
+        </p:blipFill>
+        <p:spPr bwMode="auto">
+          <a:xfrm>
+            <a:off x="899592" y="1351572"/>
+            <a:ext cx="1875426" cy="3065835"/>
+          </a:xfrm>
+          <a:prstGeom prst="rect">
+            <a:avLst/>
+          </a:prstGeom>
+          <a:noFill/>
+          <a:ln>
+            <a:noFill/>
+          </a:ln>
+          <a:extLst>
+            <a:ext uri="{909E8E84-426E-40DD-AFC4-6F175D3DCCD1}">
+              <a14:hiddenFill xmlns:a14="http://schemas.microsoft.com/office/drawing/2010/main">
+                <a:solidFill>
+                  <a:srgbClr val="FFFFFF"/>
+                </a:solidFill>
+              </a14:hiddenFill>
+            </a:ext>
+          </a:extLst>
         </p:spPr>
       </p:pic>
     </p:spTree>
@@ -18407,62 +18351,14 @@
       </p:sp>
       <p:sp>
         <p:nvSpPr>
-          <p:cNvPr id="5" name="Rounded Rectangle 4"/>
-          <p:cNvSpPr/>
-          <p:nvPr/>
-        </p:nvSpPr>
-        <p:spPr>
-          <a:xfrm>
-            <a:off x="1043608" y="1408326"/>
-            <a:ext cx="1872208" cy="2952328"/>
-          </a:xfrm>
-          <a:prstGeom prst="roundRect">
-            <a:avLst/>
-          </a:prstGeom>
-          <a:solidFill>
-            <a:schemeClr val="tx1"/>
-          </a:solidFill>
-          <a:ln>
-            <a:solidFill>
-              <a:schemeClr val="tx1"/>
-            </a:solidFill>
-          </a:ln>
-        </p:spPr>
-        <p:style>
-          <a:lnRef idx="2">
-            <a:schemeClr val="accent1">
-              <a:shade val="50000"/>
-            </a:schemeClr>
-          </a:lnRef>
-          <a:fillRef idx="1">
-            <a:schemeClr val="accent1"/>
-          </a:fillRef>
-          <a:effectRef idx="0">
-            <a:schemeClr val="accent1"/>
-          </a:effectRef>
-          <a:fontRef idx="minor">
-            <a:schemeClr val="lt1"/>
-          </a:fontRef>
-        </p:style>
-        <p:txBody>
-          <a:bodyPr rtlCol="0" anchor="ctr"/>
-          <a:lstStyle/>
-          <a:p>
-            <a:pPr algn="ctr"/>
-            <a:endParaRPr lang="en-US"/>
-          </a:p>
-        </p:txBody>
-      </p:sp>
-      <p:sp>
-        <p:nvSpPr>
           <p:cNvPr id="4" name="26 Rectángulo"/>
           <p:cNvSpPr/>
           <p:nvPr/>
         </p:nvSpPr>
         <p:spPr>
           <a:xfrm>
-            <a:off x="1147149" y="1635646"/>
-            <a:ext cx="1665125" cy="2497688"/>
+            <a:off x="1147150" y="1635646"/>
+            <a:ext cx="1408626" cy="2497688"/>
           </a:xfrm>
           <a:prstGeom prst="rect">
             <a:avLst/>
@@ -18509,7 +18405,7 @@
         </p:nvSpPr>
         <p:spPr>
           <a:xfrm>
-            <a:off x="1403647" y="2643758"/>
+            <a:off x="1275399" y="2643758"/>
             <a:ext cx="1152128" cy="481464"/>
           </a:xfrm>
           <a:prstGeom prst="rect">
@@ -18740,6 +18636,50 @@
           <a:prstGeom prst="rect">
             <a:avLst/>
           </a:prstGeom>
+        </p:spPr>
+      </p:pic>
+      <p:pic>
+        <p:nvPicPr>
+          <p:cNvPr id="10" name="Picture 6" descr="D:\Usuarios\1143848922\Downloads\kisspng-feature-phone-smartphone-mobile-phone-accessories-black-border-mobile-phone-5a71a4107c60b5.3323878415173970085095.png"/>
+          <p:cNvPicPr>
+            <a:picLocks noChangeAspect="1" noChangeArrowheads="1"/>
+          </p:cNvPicPr>
+          <p:nvPr/>
+        </p:nvPicPr>
+        <p:blipFill>
+          <a:blip r:embed="rId3">
+            <a:extLst>
+              <a:ext uri="{28A0092B-C50C-407E-A947-70E740481C1C}">
+                <a14:useLocalDpi xmlns:a14="http://schemas.microsoft.com/office/drawing/2010/main" val="0"/>
+              </a:ext>
+            </a:extLst>
+          </a:blip>
+          <a:srcRect/>
+          <a:stretch>
+            <a:fillRect/>
+          </a:stretch>
+        </p:blipFill>
+        <p:spPr bwMode="auto">
+          <a:xfrm>
+            <a:off x="899592" y="1351572"/>
+            <a:ext cx="1875426" cy="3065835"/>
+          </a:xfrm>
+          <a:prstGeom prst="rect">
+            <a:avLst/>
+          </a:prstGeom>
+          <a:noFill/>
+          <a:ln>
+            <a:noFill/>
+          </a:ln>
+          <a:extLst>
+            <a:ext uri="{909E8E84-426E-40DD-AFC4-6F175D3DCCD1}">
+              <a14:hiddenFill xmlns:a14="http://schemas.microsoft.com/office/drawing/2010/main">
+                <a:solidFill>
+                  <a:srgbClr val="FFFFFF"/>
+                </a:solidFill>
+              </a14:hiddenFill>
+            </a:ext>
+          </a:extLst>
         </p:spPr>
       </p:pic>
     </p:spTree>
@@ -18804,54 +18744,6 @@
       </p:sp>
       <p:sp>
         <p:nvSpPr>
-          <p:cNvPr id="5" name="Rounded Rectangle 4"/>
-          <p:cNvSpPr/>
-          <p:nvPr/>
-        </p:nvSpPr>
-        <p:spPr>
-          <a:xfrm>
-            <a:off x="1043608" y="1408326"/>
-            <a:ext cx="1872208" cy="2952328"/>
-          </a:xfrm>
-          <a:prstGeom prst="roundRect">
-            <a:avLst/>
-          </a:prstGeom>
-          <a:solidFill>
-            <a:schemeClr val="tx1"/>
-          </a:solidFill>
-          <a:ln>
-            <a:solidFill>
-              <a:schemeClr val="tx1"/>
-            </a:solidFill>
-          </a:ln>
-        </p:spPr>
-        <p:style>
-          <a:lnRef idx="2">
-            <a:schemeClr val="accent1">
-              <a:shade val="50000"/>
-            </a:schemeClr>
-          </a:lnRef>
-          <a:fillRef idx="1">
-            <a:schemeClr val="accent1"/>
-          </a:fillRef>
-          <a:effectRef idx="0">
-            <a:schemeClr val="accent1"/>
-          </a:effectRef>
-          <a:fontRef idx="minor">
-            <a:schemeClr val="lt1"/>
-          </a:fontRef>
-        </p:style>
-        <p:txBody>
-          <a:bodyPr rtlCol="0" anchor="ctr"/>
-          <a:lstStyle/>
-          <a:p>
-            <a:pPr algn="ctr"/>
-            <a:endParaRPr lang="en-US"/>
-          </a:p>
-        </p:txBody>
-      </p:sp>
-      <p:sp>
-        <p:nvSpPr>
           <p:cNvPr id="4" name="26 Rectángulo"/>
           <p:cNvSpPr/>
           <p:nvPr/>
@@ -18859,7 +18751,7 @@
         <p:spPr>
           <a:xfrm>
             <a:off x="1147149" y="1635646"/>
-            <a:ext cx="1665125" cy="2497688"/>
+            <a:ext cx="1408626" cy="2397874"/>
           </a:xfrm>
           <a:prstGeom prst="rect">
             <a:avLst/>
@@ -18906,7 +18798,7 @@
         </p:nvSpPr>
         <p:spPr>
           <a:xfrm>
-            <a:off x="1403647" y="1851670"/>
+            <a:off x="1275398" y="1867781"/>
             <a:ext cx="1152128" cy="481464"/>
           </a:xfrm>
           <a:prstGeom prst="rect">
@@ -19139,8 +19031,8 @@
         </p:blipFill>
         <p:spPr bwMode="auto">
           <a:xfrm>
-            <a:off x="1118482" y="3148120"/>
-            <a:ext cx="1693792" cy="1007806"/>
+            <a:off x="1147149" y="3219822"/>
+            <a:ext cx="1408626" cy="838132"/>
           </a:xfrm>
           <a:prstGeom prst="rect">
             <a:avLst/>
@@ -19185,6 +19077,50 @@
           <a:prstGeom prst="rect">
             <a:avLst/>
           </a:prstGeom>
+        </p:spPr>
+      </p:pic>
+      <p:pic>
+        <p:nvPicPr>
+          <p:cNvPr id="14" name="Picture 6" descr="D:\Usuarios\1143848922\Downloads\kisspng-feature-phone-smartphone-mobile-phone-accessories-black-border-mobile-phone-5a71a4107c60b5.3323878415173970085095.png"/>
+          <p:cNvPicPr>
+            <a:picLocks noChangeAspect="1" noChangeArrowheads="1"/>
+          </p:cNvPicPr>
+          <p:nvPr/>
+        </p:nvPicPr>
+        <p:blipFill>
+          <a:blip r:embed="rId4">
+            <a:extLst>
+              <a:ext uri="{28A0092B-C50C-407E-A947-70E740481C1C}">
+                <a14:useLocalDpi xmlns:a14="http://schemas.microsoft.com/office/drawing/2010/main" val="0"/>
+              </a:ext>
+            </a:extLst>
+          </a:blip>
+          <a:srcRect/>
+          <a:stretch>
+            <a:fillRect/>
+          </a:stretch>
+        </p:blipFill>
+        <p:spPr bwMode="auto">
+          <a:xfrm>
+            <a:off x="899592" y="1351572"/>
+            <a:ext cx="1875426" cy="3065835"/>
+          </a:xfrm>
+          <a:prstGeom prst="rect">
+            <a:avLst/>
+          </a:prstGeom>
+          <a:noFill/>
+          <a:ln>
+            <a:noFill/>
+          </a:ln>
+          <a:extLst>
+            <a:ext uri="{909E8E84-426E-40DD-AFC4-6F175D3DCCD1}">
+              <a14:hiddenFill xmlns:a14="http://schemas.microsoft.com/office/drawing/2010/main">
+                <a:solidFill>
+                  <a:srgbClr val="FFFFFF"/>
+                </a:solidFill>
+              </a14:hiddenFill>
+            </a:ext>
+          </a:extLst>
         </p:spPr>
       </p:pic>
     </p:spTree>
@@ -19249,62 +19185,14 @@
       </p:sp>
       <p:sp>
         <p:nvSpPr>
-          <p:cNvPr id="5" name="Rounded Rectangle 4"/>
-          <p:cNvSpPr/>
-          <p:nvPr/>
-        </p:nvSpPr>
-        <p:spPr>
-          <a:xfrm>
-            <a:off x="1043608" y="1408326"/>
-            <a:ext cx="1872208" cy="2952328"/>
-          </a:xfrm>
-          <a:prstGeom prst="roundRect">
-            <a:avLst/>
-          </a:prstGeom>
-          <a:solidFill>
-            <a:schemeClr val="tx1"/>
-          </a:solidFill>
-          <a:ln>
-            <a:solidFill>
-              <a:schemeClr val="tx1"/>
-            </a:solidFill>
-          </a:ln>
-        </p:spPr>
-        <p:style>
-          <a:lnRef idx="2">
-            <a:schemeClr val="accent1">
-              <a:shade val="50000"/>
-            </a:schemeClr>
-          </a:lnRef>
-          <a:fillRef idx="1">
-            <a:schemeClr val="accent1"/>
-          </a:fillRef>
-          <a:effectRef idx="0">
-            <a:schemeClr val="accent1"/>
-          </a:effectRef>
-          <a:fontRef idx="minor">
-            <a:schemeClr val="lt1"/>
-          </a:fontRef>
-        </p:style>
-        <p:txBody>
-          <a:bodyPr rtlCol="0" anchor="ctr"/>
-          <a:lstStyle/>
-          <a:p>
-            <a:pPr algn="ctr"/>
-            <a:endParaRPr lang="en-US"/>
-          </a:p>
-        </p:txBody>
-      </p:sp>
-      <p:sp>
-        <p:nvSpPr>
           <p:cNvPr id="4" name="26 Rectángulo"/>
           <p:cNvSpPr/>
           <p:nvPr/>
         </p:nvSpPr>
         <p:spPr>
           <a:xfrm>
-            <a:off x="1147149" y="1635646"/>
-            <a:ext cx="1665125" cy="2497688"/>
+            <a:off x="1187624" y="1635646"/>
+            <a:ext cx="1368152" cy="2497688"/>
           </a:xfrm>
           <a:prstGeom prst="rect">
             <a:avLst/>
@@ -19541,7 +19429,7 @@
         </p:blipFill>
         <p:spPr bwMode="auto">
           <a:xfrm>
-            <a:off x="1349524" y="1815894"/>
+            <a:off x="1235038" y="1815894"/>
             <a:ext cx="1273324" cy="1273324"/>
           </a:xfrm>
           <a:prstGeom prst="rect">
@@ -19587,6 +19475,50 @@
           <a:prstGeom prst="rect">
             <a:avLst/>
           </a:prstGeom>
+        </p:spPr>
+      </p:pic>
+      <p:pic>
+        <p:nvPicPr>
+          <p:cNvPr id="12" name="Picture 6" descr="D:\Usuarios\1143848922\Downloads\kisspng-feature-phone-smartphone-mobile-phone-accessories-black-border-mobile-phone-5a71a4107c60b5.3323878415173970085095.png"/>
+          <p:cNvPicPr>
+            <a:picLocks noChangeAspect="1" noChangeArrowheads="1"/>
+          </p:cNvPicPr>
+          <p:nvPr/>
+        </p:nvPicPr>
+        <p:blipFill>
+          <a:blip r:embed="rId4">
+            <a:extLst>
+              <a:ext uri="{28A0092B-C50C-407E-A947-70E740481C1C}">
+                <a14:useLocalDpi xmlns:a14="http://schemas.microsoft.com/office/drawing/2010/main" val="0"/>
+              </a:ext>
+            </a:extLst>
+          </a:blip>
+          <a:srcRect/>
+          <a:stretch>
+            <a:fillRect/>
+          </a:stretch>
+        </p:blipFill>
+        <p:spPr bwMode="auto">
+          <a:xfrm>
+            <a:off x="899592" y="1351572"/>
+            <a:ext cx="1875426" cy="3065835"/>
+          </a:xfrm>
+          <a:prstGeom prst="rect">
+            <a:avLst/>
+          </a:prstGeom>
+          <a:noFill/>
+          <a:ln>
+            <a:noFill/>
+          </a:ln>
+          <a:extLst>
+            <a:ext uri="{909E8E84-426E-40DD-AFC4-6F175D3DCCD1}">
+              <a14:hiddenFill xmlns:a14="http://schemas.microsoft.com/office/drawing/2010/main">
+                <a:solidFill>
+                  <a:srgbClr val="FFFFFF"/>
+                </a:solidFill>
+              </a14:hiddenFill>
+            </a:ext>
+          </a:extLst>
         </p:spPr>
       </p:pic>
     </p:spTree>
